--- a/PROJECT_02.pptx
+++ b/PROJECT_02.pptx
@@ -111,12 +111,32 @@
       </a:defRPr>
     </a:lvl9pPr>
   </p:defaultTextStyle>
+  <p:extLst>
+    <p:ext uri="{EFAFB233-063F-42B5-8137-9DF3F51BA10A}">
+      <p15:sldGuideLst xmlns:p15="http://schemas.microsoft.com/office/powerpoint/2012/main"/>
+    </p:ext>
+  </p:extLst>
 </p:presentation>
 </file>
 
 <file path=ppt/slideLayouts/slideLayout1.xml><?xml version="1.0" encoding="utf-8"?>
 <p:sldLayout xmlns:a="http://schemas.openxmlformats.org/drawingml/2006/main" xmlns:r="http://schemas.openxmlformats.org/officeDocument/2006/relationships" xmlns:p="http://schemas.openxmlformats.org/presentationml/2006/main" type="title" preserve="1">
   <p:cSld name="Title Slide">
+    <p:bg>
+      <p:bgPr>
+        <a:blipFill dpi="0" rotWithShape="1">
+          <a:blip r:embed="rId2">
+            <a:alphaModFix amt="43000"/>
+            <a:lum/>
+          </a:blip>
+          <a:srcRect/>
+          <a:stretch>
+            <a:fillRect t="-7000" b="-7000"/>
+          </a:stretch>
+        </a:blipFill>
+        <a:effectLst/>
+      </p:bgPr>
+    </p:bg>
     <p:spTree>
       <p:nvGrpSpPr>
         <p:cNvPr id="1" name=""/>
@@ -245,7 +265,7 @@
           <a:p>
             <a:fld id="{12E52447-60D6-491E-BFAB-FA8E8653151C}" type="datetimeFigureOut">
               <a:rPr lang="en-US" smtClean="0"/>
-              <a:t>2/19/2020</a:t>
+              <a:t>2/22/2020</a:t>
             </a:fld>
             <a:endParaRPr lang="en-US"/>
           </a:p>
@@ -303,6 +323,13 @@
   <p:clrMapOvr>
     <a:masterClrMapping/>
   </p:clrMapOvr>
+  <p:timing>
+    <p:tnLst>
+      <p:par>
+        <p:cTn id="1" dur="indefinite" restart="never" nodeType="tmRoot"/>
+      </p:par>
+    </p:tnLst>
+  </p:timing>
 </p:sldLayout>
 </file>
 
@@ -415,7 +442,7 @@
           <a:p>
             <a:fld id="{12E52447-60D6-491E-BFAB-FA8E8653151C}" type="datetimeFigureOut">
               <a:rPr lang="en-US" smtClean="0"/>
-              <a:t>2/19/2020</a:t>
+              <a:t>2/22/2020</a:t>
             </a:fld>
             <a:endParaRPr lang="en-US"/>
           </a:p>
@@ -595,7 +622,7 @@
           <a:p>
             <a:fld id="{12E52447-60D6-491E-BFAB-FA8E8653151C}" type="datetimeFigureOut">
               <a:rPr lang="en-US" smtClean="0"/>
-              <a:t>2/19/2020</a:t>
+              <a:t>2/22/2020</a:t>
             </a:fld>
             <a:endParaRPr lang="en-US"/>
           </a:p>
@@ -765,7 +792,7 @@
           <a:p>
             <a:fld id="{12E52447-60D6-491E-BFAB-FA8E8653151C}" type="datetimeFigureOut">
               <a:rPr lang="en-US" smtClean="0"/>
-              <a:t>2/19/2020</a:t>
+              <a:t>2/22/2020</a:t>
             </a:fld>
             <a:endParaRPr lang="en-US"/>
           </a:p>
@@ -1011,7 +1038,7 @@
           <a:p>
             <a:fld id="{12E52447-60D6-491E-BFAB-FA8E8653151C}" type="datetimeFigureOut">
               <a:rPr lang="en-US" smtClean="0"/>
-              <a:t>2/19/2020</a:t>
+              <a:t>2/22/2020</a:t>
             </a:fld>
             <a:endParaRPr lang="en-US"/>
           </a:p>
@@ -1243,7 +1270,7 @@
           <a:p>
             <a:fld id="{12E52447-60D6-491E-BFAB-FA8E8653151C}" type="datetimeFigureOut">
               <a:rPr lang="en-US" smtClean="0"/>
-              <a:t>2/19/2020</a:t>
+              <a:t>2/22/2020</a:t>
             </a:fld>
             <a:endParaRPr lang="en-US"/>
           </a:p>
@@ -1610,7 +1637,7 @@
           <a:p>
             <a:fld id="{12E52447-60D6-491E-BFAB-FA8E8653151C}" type="datetimeFigureOut">
               <a:rPr lang="en-US" smtClean="0"/>
-              <a:t>2/19/2020</a:t>
+              <a:t>2/22/2020</a:t>
             </a:fld>
             <a:endParaRPr lang="en-US"/>
           </a:p>
@@ -1728,7 +1755,7 @@
           <a:p>
             <a:fld id="{12E52447-60D6-491E-BFAB-FA8E8653151C}" type="datetimeFigureOut">
               <a:rPr lang="en-US" smtClean="0"/>
-              <a:t>2/19/2020</a:t>
+              <a:t>2/22/2020</a:t>
             </a:fld>
             <a:endParaRPr lang="en-US"/>
           </a:p>
@@ -1823,7 +1850,7 @@
           <a:p>
             <a:fld id="{12E52447-60D6-491E-BFAB-FA8E8653151C}" type="datetimeFigureOut">
               <a:rPr lang="en-US" smtClean="0"/>
-              <a:t>2/19/2020</a:t>
+              <a:t>2/22/2020</a:t>
             </a:fld>
             <a:endParaRPr lang="en-US"/>
           </a:p>
@@ -2100,7 +2127,7 @@
           <a:p>
             <a:fld id="{12E52447-60D6-491E-BFAB-FA8E8653151C}" type="datetimeFigureOut">
               <a:rPr lang="en-US" smtClean="0"/>
-              <a:t>2/19/2020</a:t>
+              <a:t>2/22/2020</a:t>
             </a:fld>
             <a:endParaRPr lang="en-US"/>
           </a:p>
@@ -2353,7 +2380,7 @@
           <a:p>
             <a:fld id="{12E52447-60D6-491E-BFAB-FA8E8653151C}" type="datetimeFigureOut">
               <a:rPr lang="en-US" smtClean="0"/>
-              <a:t>2/19/2020</a:t>
+              <a:t>2/22/2020</a:t>
             </a:fld>
             <a:endParaRPr lang="en-US"/>
           </a:p>
@@ -2418,9 +2445,19 @@
 <p:sldMaster xmlns:a="http://schemas.openxmlformats.org/drawingml/2006/main" xmlns:r="http://schemas.openxmlformats.org/officeDocument/2006/relationships" xmlns:p="http://schemas.openxmlformats.org/presentationml/2006/main">
   <p:cSld>
     <p:bg>
-      <p:bgRef idx="1001">
-        <a:schemeClr val="bg1"/>
-      </p:bgRef>
+      <p:bgPr>
+        <a:blipFill dpi="0" rotWithShape="1">
+          <a:blip r:embed="rId13">
+            <a:alphaModFix amt="28000"/>
+            <a:lum/>
+          </a:blip>
+          <a:srcRect/>
+          <a:stretch>
+            <a:fillRect t="-21000" b="-21000"/>
+          </a:stretch>
+        </a:blipFill>
+        <a:effectLst/>
+      </p:bgPr>
     </p:bg>
     <p:spTree>
       <p:nvGrpSpPr>
@@ -2566,7 +2603,7 @@
           <a:p>
             <a:fld id="{12E52447-60D6-491E-BFAB-FA8E8653151C}" type="datetimeFigureOut">
               <a:rPr lang="en-US" smtClean="0"/>
-              <a:t>2/19/2020</a:t>
+              <a:t>2/22/2020</a:t>
             </a:fld>
             <a:endParaRPr lang="en-US"/>
           </a:p>
@@ -2671,6 +2708,13 @@
     <p:sldLayoutId id="2147483658" r:id="rId10"/>
     <p:sldLayoutId id="2147483659" r:id="rId11"/>
   </p:sldLayoutIdLst>
+  <p:timing>
+    <p:tnLst>
+      <p:par>
+        <p:cTn id="1" dur="indefinite" restart="never" nodeType="tmRoot"/>
+      </p:par>
+    </p:tnLst>
+  </p:timing>
   <p:txStyles>
     <p:titleStyle>
       <a:lvl1pPr algn="l" defTabSz="914400" rtl="0" eaLnBrk="1" latinLnBrk="0" hangingPunct="1">
@@ -3094,29 +3138,51 @@
           <a:p>
             <a:r>
               <a:rPr lang="en-US" dirty="0" smtClean="0"/>
-              <a:t>CORELATE CONSTRUCTION DATA (SAFETY &amp; QUALITY) WITH ???</a:t>
-            </a:r>
+              <a:t>The construction industry is facing multiple challenges when it comes to productivity and safety.</a:t>
+            </a:r>
+          </a:p>
+          <a:p>
+            <a:r>
+              <a:rPr lang="en-US" dirty="0" smtClean="0"/>
+              <a:t>The Team / TBD will use the existing project data that was accumulated over past 3 years in order to correlate the following:</a:t>
+            </a:r>
+            <a:endParaRPr lang="en-US" dirty="0" smtClean="0"/>
           </a:p>
           <a:p>
             <a:pPr lvl="1"/>
             <a:r>
               <a:rPr lang="en-US" dirty="0" smtClean="0"/>
-              <a:t>WEATHER</a:t>
-            </a:r>
-          </a:p>
-          <a:p>
-            <a:pPr lvl="1"/>
+              <a:t>Relationship between :</a:t>
+            </a:r>
+          </a:p>
+          <a:p>
+            <a:pPr lvl="2"/>
             <a:r>
               <a:rPr lang="en-US" dirty="0" smtClean="0"/>
-              <a:t>JOB COST</a:t>
-            </a:r>
-          </a:p>
-          <a:p>
-            <a:pPr lvl="1"/>
+              <a:t>Safety Infractions and WEATHER Conditions</a:t>
+            </a:r>
+          </a:p>
+          <a:p>
+            <a:pPr lvl="2"/>
             <a:r>
               <a:rPr lang="en-US" dirty="0" smtClean="0"/>
-              <a:t>JOB TYPE</a:t>
-            </a:r>
+              <a:t>Frequency of Quality Issues in regard to Project size</a:t>
+            </a:r>
+          </a:p>
+          <a:p>
+            <a:pPr lvl="2"/>
+            <a:r>
+              <a:rPr lang="en-US" dirty="0" smtClean="0"/>
+              <a:t>Frequency of Quality Issues and the role of specific subcontractors</a:t>
+            </a:r>
+          </a:p>
+          <a:p>
+            <a:pPr lvl="2"/>
+            <a:r>
+              <a:rPr lang="en-US" dirty="0" smtClean="0"/>
+              <a:t>Type of issues and dependency on project type</a:t>
+            </a:r>
+            <a:endParaRPr lang="en-US" dirty="0" smtClean="0"/>
           </a:p>
           <a:p>
             <a:pPr lvl="1"/>

--- a/PROJECT_02.pptx
+++ b/PROJECT_02.pptx
@@ -13,6 +13,7 @@
     <p:sldId id="260" r:id="rId7"/>
     <p:sldId id="261" r:id="rId8"/>
     <p:sldId id="262" r:id="rId9"/>
+    <p:sldId id="264" r:id="rId10"/>
   </p:sldIdLst>
   <p:sldSz cx="12192000" cy="6858000"/>
   <p:notesSz cx="6858000" cy="9144000"/>
@@ -3146,7 +3147,6 @@
               <a:rPr lang="en-US" dirty="0" smtClean="0"/>
               <a:t>The Team / TBD will use the existing project data that was accumulated over past 3 years in order to correlate the following:</a:t>
             </a:r>
-            <a:endParaRPr lang="en-US" dirty="0" smtClean="0"/>
           </a:p>
           <a:p>
             <a:pPr lvl="1"/>
@@ -3182,7 +3182,6 @@
               <a:rPr lang="en-US" dirty="0" smtClean="0"/>
               <a:t>Type of issues and dependency on project type</a:t>
             </a:r>
-            <a:endParaRPr lang="en-US" dirty="0" smtClean="0"/>
           </a:p>
           <a:p>
             <a:pPr lvl="1"/>
@@ -3765,6 +3764,157 @@
     <p:extLst>
       <p:ext uri="{BB962C8B-B14F-4D97-AF65-F5344CB8AC3E}">
         <p14:creationId xmlns:p14="http://schemas.microsoft.com/office/powerpoint/2010/main" val="2881116042"/>
+      </p:ext>
+    </p:extLst>
+  </p:cSld>
+  <p:clrMapOvr>
+    <a:masterClrMapping/>
+  </p:clrMapOvr>
+  <p:timing>
+    <p:tnLst>
+      <p:par>
+        <p:cTn id="1" dur="indefinite" restart="never" nodeType="tmRoot"/>
+      </p:par>
+    </p:tnLst>
+  </p:timing>
+</p:sld>
+</file>
+
+<file path=ppt/slides/slide9.xml><?xml version="1.0" encoding="utf-8"?>
+<p:sld xmlns:a="http://schemas.openxmlformats.org/drawingml/2006/main" xmlns:r="http://schemas.openxmlformats.org/officeDocument/2006/relationships" xmlns:p="http://schemas.openxmlformats.org/presentationml/2006/main">
+  <p:cSld>
+    <p:spTree>
+      <p:nvGrpSpPr>
+        <p:cNvPr id="1" name=""/>
+        <p:cNvGrpSpPr/>
+        <p:nvPr/>
+      </p:nvGrpSpPr>
+      <p:grpSpPr>
+        <a:xfrm>
+          <a:off x="0" y="0"/>
+          <a:ext cx="0" cy="0"/>
+          <a:chOff x="0" y="0"/>
+          <a:chExt cx="0" cy="0"/>
+        </a:xfrm>
+      </p:grpSpPr>
+      <p:sp>
+        <p:nvSpPr>
+          <p:cNvPr id="2" name="Title 1"/>
+          <p:cNvSpPr>
+            <a:spLocks noGrp="1"/>
+          </p:cNvSpPr>
+          <p:nvPr>
+            <p:ph type="title"/>
+          </p:nvPr>
+        </p:nvSpPr>
+        <p:spPr>
+          <a:xfrm>
+            <a:off x="971550" y="365125"/>
+            <a:ext cx="10382250" cy="1325563"/>
+          </a:xfrm>
+        </p:spPr>
+        <p:txBody>
+          <a:bodyPr/>
+          <a:lstStyle/>
+          <a:p>
+            <a:r>
+              <a:rPr lang="en-US" dirty="0" smtClean="0"/>
+              <a:t>Tasks</a:t>
+            </a:r>
+            <a:endParaRPr lang="en-US" dirty="0"/>
+          </a:p>
+        </p:txBody>
+      </p:sp>
+      <p:sp>
+        <p:nvSpPr>
+          <p:cNvPr id="3" name="Content Placeholder 2"/>
+          <p:cNvSpPr>
+            <a:spLocks noGrp="1"/>
+          </p:cNvSpPr>
+          <p:nvPr>
+            <p:ph idx="1"/>
+          </p:nvPr>
+        </p:nvSpPr>
+        <p:spPr/>
+        <p:txBody>
+          <a:bodyPr/>
+          <a:lstStyle/>
+          <a:p>
+            <a:r>
+              <a:rPr lang="en-US" dirty="0" smtClean="0"/>
+              <a:t>Amber</a:t>
+            </a:r>
+          </a:p>
+          <a:p>
+            <a:pPr lvl="1"/>
+            <a:r>
+              <a:rPr lang="en-US" dirty="0" smtClean="0"/>
+              <a:t>D3 / </a:t>
+            </a:r>
+            <a:r>
+              <a:rPr lang="en-US" dirty="0" err="1" smtClean="0"/>
+              <a:t>MapBox</a:t>
+            </a:r>
+            <a:endParaRPr lang="en-US" dirty="0" smtClean="0"/>
+          </a:p>
+          <a:p>
+            <a:r>
+              <a:rPr lang="en-US" dirty="0" smtClean="0"/>
+              <a:t>Michael</a:t>
+            </a:r>
+          </a:p>
+          <a:p>
+            <a:pPr lvl="1"/>
+            <a:r>
+              <a:rPr lang="en-US" dirty="0" smtClean="0"/>
+              <a:t>SQL / JQuery</a:t>
+            </a:r>
+          </a:p>
+          <a:p>
+            <a:r>
+              <a:rPr lang="en-US" dirty="0" smtClean="0"/>
+              <a:t>Joe</a:t>
+            </a:r>
+          </a:p>
+          <a:p>
+            <a:pPr lvl="1"/>
+            <a:r>
+              <a:rPr lang="en-US" dirty="0" smtClean="0"/>
+              <a:t>HTML /Panda</a:t>
+            </a:r>
+            <a:endParaRPr lang="en-US" dirty="0" smtClean="0"/>
+          </a:p>
+          <a:p>
+            <a:r>
+              <a:rPr lang="en-US" dirty="0" smtClean="0"/>
+              <a:t>TZ</a:t>
+            </a:r>
+          </a:p>
+          <a:p>
+            <a:pPr lvl="1"/>
+            <a:r>
+              <a:rPr lang="en-US" dirty="0" err="1" smtClean="0"/>
+              <a:t>Javascript</a:t>
+            </a:r>
+            <a:r>
+              <a:rPr lang="en-US" dirty="0" smtClean="0"/>
+              <a:t> and API</a:t>
+            </a:r>
+          </a:p>
+          <a:p>
+            <a:pPr lvl="1"/>
+            <a:r>
+              <a:rPr lang="en-US" dirty="0" err="1" smtClean="0"/>
+              <a:t>Plotly</a:t>
+            </a:r>
+            <a:endParaRPr lang="en-US" dirty="0"/>
+          </a:p>
+        </p:txBody>
+      </p:sp>
+    </p:spTree>
+    <p:extLst>
+      <p:ext uri="{BB962C8B-B14F-4D97-AF65-F5344CB8AC3E}">
+        <p14:creationId xmlns:p14="http://schemas.microsoft.com/office/powerpoint/2010/main" val="156890930"/>
       </p:ext>
     </p:extLst>
   </p:cSld>
